--- a/images/figures.pptx
+++ b/images/figures.pptx
@@ -288,7 +288,7 @@
           <a:p>
             <a:fld id="{BD51A855-22F6-004D-929D-D9760B3EC651}" type="datetimeFigureOut">
               <a:rPr kumimoji="1" lang="ja-JP" altLang="en-US" smtClean="0"/>
-              <a:t>17/07/28</a:t>
+              <a:t>17/08/03</a:t>
             </a:fld>
             <a:endParaRPr kumimoji="1" lang="ja-JP" altLang="en-US"/>
           </a:p>
@@ -490,7 +490,7 @@
           <a:p>
             <a:fld id="{BD51A855-22F6-004D-929D-D9760B3EC651}" type="datetimeFigureOut">
               <a:rPr kumimoji="1" lang="ja-JP" altLang="en-US" smtClean="0"/>
-              <a:t>17/07/28</a:t>
+              <a:t>17/08/03</a:t>
             </a:fld>
             <a:endParaRPr kumimoji="1" lang="ja-JP" altLang="en-US"/>
           </a:p>
@@ -702,7 +702,7 @@
           <a:p>
             <a:fld id="{BD51A855-22F6-004D-929D-D9760B3EC651}" type="datetimeFigureOut">
               <a:rPr kumimoji="1" lang="ja-JP" altLang="en-US" smtClean="0"/>
-              <a:t>17/07/28</a:t>
+              <a:t>17/08/03</a:t>
             </a:fld>
             <a:endParaRPr kumimoji="1" lang="ja-JP" altLang="en-US"/>
           </a:p>
@@ -904,7 +904,7 @@
           <a:p>
             <a:fld id="{BD51A855-22F6-004D-929D-D9760B3EC651}" type="datetimeFigureOut">
               <a:rPr kumimoji="1" lang="ja-JP" altLang="en-US" smtClean="0"/>
-              <a:t>17/07/28</a:t>
+              <a:t>17/08/03</a:t>
             </a:fld>
             <a:endParaRPr kumimoji="1" lang="ja-JP" altLang="en-US"/>
           </a:p>
@@ -1150,7 +1150,7 @@
           <a:p>
             <a:fld id="{BD51A855-22F6-004D-929D-D9760B3EC651}" type="datetimeFigureOut">
               <a:rPr kumimoji="1" lang="ja-JP" altLang="en-US" smtClean="0"/>
-              <a:t>17/07/28</a:t>
+              <a:t>17/08/03</a:t>
             </a:fld>
             <a:endParaRPr kumimoji="1" lang="ja-JP" altLang="en-US"/>
           </a:p>
@@ -1502,7 +1502,7 @@
           <a:p>
             <a:fld id="{BD51A855-22F6-004D-929D-D9760B3EC651}" type="datetimeFigureOut">
               <a:rPr kumimoji="1" lang="ja-JP" altLang="en-US" smtClean="0"/>
-              <a:t>17/07/28</a:t>
+              <a:t>17/08/03</a:t>
             </a:fld>
             <a:endParaRPr kumimoji="1" lang="ja-JP" altLang="en-US"/>
           </a:p>
@@ -1988,7 +1988,7 @@
           <a:p>
             <a:fld id="{BD51A855-22F6-004D-929D-D9760B3EC651}" type="datetimeFigureOut">
               <a:rPr kumimoji="1" lang="ja-JP" altLang="en-US" smtClean="0"/>
-              <a:t>17/07/28</a:t>
+              <a:t>17/08/03</a:t>
             </a:fld>
             <a:endParaRPr kumimoji="1" lang="ja-JP" altLang="en-US"/>
           </a:p>
@@ -2106,7 +2106,7 @@
           <a:p>
             <a:fld id="{BD51A855-22F6-004D-929D-D9760B3EC651}" type="datetimeFigureOut">
               <a:rPr kumimoji="1" lang="ja-JP" altLang="en-US" smtClean="0"/>
-              <a:t>17/07/28</a:t>
+              <a:t>17/08/03</a:t>
             </a:fld>
             <a:endParaRPr kumimoji="1" lang="ja-JP" altLang="en-US"/>
           </a:p>
@@ -2201,7 +2201,7 @@
           <a:p>
             <a:fld id="{BD51A855-22F6-004D-929D-D9760B3EC651}" type="datetimeFigureOut">
               <a:rPr kumimoji="1" lang="ja-JP" altLang="en-US" smtClean="0"/>
-              <a:t>17/07/28</a:t>
+              <a:t>17/08/03</a:t>
             </a:fld>
             <a:endParaRPr kumimoji="1" lang="ja-JP" altLang="en-US"/>
           </a:p>
@@ -2510,7 +2510,7 @@
           <a:p>
             <a:fld id="{BD51A855-22F6-004D-929D-D9760B3EC651}" type="datetimeFigureOut">
               <a:rPr kumimoji="1" lang="ja-JP" altLang="en-US" smtClean="0"/>
-              <a:t>17/07/28</a:t>
+              <a:t>17/08/03</a:t>
             </a:fld>
             <a:endParaRPr kumimoji="1" lang="ja-JP" altLang="en-US"/>
           </a:p>
@@ -2763,7 +2763,7 @@
           <a:p>
             <a:fld id="{BD51A855-22F6-004D-929D-D9760B3EC651}" type="datetimeFigureOut">
               <a:rPr kumimoji="1" lang="ja-JP" altLang="en-US" smtClean="0"/>
-              <a:t>17/07/28</a:t>
+              <a:t>17/08/03</a:t>
             </a:fld>
             <a:endParaRPr kumimoji="1" lang="ja-JP" altLang="en-US"/>
           </a:p>
@@ -3008,7 +3008,7 @@
           <a:p>
             <a:fld id="{BD51A855-22F6-004D-929D-D9760B3EC651}" type="datetimeFigureOut">
               <a:rPr kumimoji="1" lang="ja-JP" altLang="en-US" smtClean="0"/>
-              <a:t>17/07/28</a:t>
+              <a:t>17/08/03</a:t>
             </a:fld>
             <a:endParaRPr kumimoji="1" lang="ja-JP" altLang="en-US"/>
           </a:p>
@@ -3385,6 +3385,100 @@
       </p:grpSpPr>
       <p:sp>
         <p:nvSpPr>
+          <p:cNvPr id="27" name="正方形/長方形 26"/>
+          <p:cNvSpPr/>
+          <p:nvPr/>
+        </p:nvSpPr>
+        <p:spPr>
+          <a:xfrm>
+            <a:off x="383371" y="424980"/>
+            <a:ext cx="2587755" cy="2032381"/>
+          </a:xfrm>
+          <a:prstGeom prst="rect">
+            <a:avLst/>
+          </a:prstGeom>
+          <a:solidFill>
+            <a:srgbClr val="F2DCDB"/>
+          </a:solidFill>
+          <a:ln w="19050" cmpd="sng">
+            <a:solidFill>
+              <a:schemeClr val="tx1"/>
+            </a:solidFill>
+          </a:ln>
+          <a:effectLst/>
+        </p:spPr>
+        <p:style>
+          <a:lnRef idx="1">
+            <a:schemeClr val="accent2"/>
+          </a:lnRef>
+          <a:fillRef idx="2">
+            <a:schemeClr val="accent2"/>
+          </a:fillRef>
+          <a:effectRef idx="1">
+            <a:schemeClr val="accent2"/>
+          </a:effectRef>
+          <a:fontRef idx="minor">
+            <a:schemeClr val="dk1"/>
+          </a:fontRef>
+        </p:style>
+        <p:txBody>
+          <a:bodyPr rtlCol="0" anchor="ctr"/>
+          <a:lstStyle/>
+          <a:p>
+            <a:pPr algn="ctr"/>
+            <a:endParaRPr kumimoji="1" lang="ja-JP" altLang="en-US"/>
+          </a:p>
+        </p:txBody>
+      </p:sp>
+      <p:sp>
+        <p:nvSpPr>
+          <p:cNvPr id="2" name="正方形/長方形 1"/>
+          <p:cNvSpPr/>
+          <p:nvPr/>
+        </p:nvSpPr>
+        <p:spPr>
+          <a:xfrm>
+            <a:off x="383371" y="3790704"/>
+            <a:ext cx="2587755" cy="2032381"/>
+          </a:xfrm>
+          <a:prstGeom prst="rect">
+            <a:avLst/>
+          </a:prstGeom>
+          <a:solidFill>
+            <a:srgbClr val="F2DCDB"/>
+          </a:solidFill>
+          <a:ln w="19050" cmpd="sng">
+            <a:solidFill>
+              <a:schemeClr val="tx1"/>
+            </a:solidFill>
+          </a:ln>
+          <a:effectLst/>
+        </p:spPr>
+        <p:style>
+          <a:lnRef idx="1">
+            <a:schemeClr val="accent2"/>
+          </a:lnRef>
+          <a:fillRef idx="2">
+            <a:schemeClr val="accent2"/>
+          </a:fillRef>
+          <a:effectRef idx="1">
+            <a:schemeClr val="accent2"/>
+          </a:effectRef>
+          <a:fontRef idx="minor">
+            <a:schemeClr val="dk1"/>
+          </a:fontRef>
+        </p:style>
+        <p:txBody>
+          <a:bodyPr rtlCol="0" anchor="ctr"/>
+          <a:lstStyle/>
+          <a:p>
+            <a:pPr algn="ctr"/>
+            <a:endParaRPr kumimoji="1" lang="ja-JP" altLang="en-US"/>
+          </a:p>
+        </p:txBody>
+      </p:sp>
+      <p:sp>
+        <p:nvSpPr>
           <p:cNvPr id="4" name="正方形/長方形 3"/>
           <p:cNvSpPr/>
           <p:nvPr/>
@@ -3517,7 +3611,7 @@
         </p:nvSpPr>
         <p:spPr>
           <a:xfrm>
-            <a:off x="654173" y="1695436"/>
+            <a:off x="654173" y="1659490"/>
             <a:ext cx="2077963" cy="610509"/>
           </a:xfrm>
           <a:prstGeom prst="rect">
@@ -3649,6 +3743,12 @@
           <a:prstGeom prst="rect">
             <a:avLst/>
           </a:prstGeom>
+          <a:solidFill>
+            <a:schemeClr val="accent2">
+              <a:lumMod val="20000"/>
+              <a:lumOff val="80000"/>
+            </a:schemeClr>
+          </a:solidFill>
         </p:spPr>
         <p:style>
           <a:lnRef idx="2">
@@ -3691,6 +3791,12 @@
           <a:prstGeom prst="rect">
             <a:avLst/>
           </a:prstGeom>
+          <a:solidFill>
+            <a:schemeClr val="accent2">
+              <a:lumMod val="20000"/>
+              <a:lumOff val="80000"/>
+            </a:schemeClr>
+          </a:solidFill>
         </p:spPr>
         <p:style>
           <a:lnRef idx="2">
@@ -3943,6 +4049,9 @@
           <a:prstGeom prst="rect">
             <a:avLst/>
           </a:prstGeom>
+          <a:solidFill>
+            <a:srgbClr val="F2DCDB"/>
+          </a:solidFill>
         </p:spPr>
         <p:style>
           <a:lnRef idx="2">
@@ -3979,7 +4088,7 @@
         </p:nvSpPr>
         <p:spPr>
           <a:xfrm>
-            <a:off x="5293630" y="1776545"/>
+            <a:off x="5293630" y="1772627"/>
             <a:ext cx="1184808" cy="384234"/>
           </a:xfrm>
           <a:prstGeom prst="rect">
@@ -4021,7 +4130,7 @@
         </p:nvSpPr>
         <p:spPr>
           <a:xfrm>
-            <a:off x="6676411" y="1776545"/>
+            <a:off x="6676411" y="1772627"/>
             <a:ext cx="1184808" cy="384234"/>
           </a:xfrm>
           <a:prstGeom prst="rect">
@@ -4102,18 +4211,21 @@
           <p:cNvPr id="24" name="カギ線コネクタ 23"/>
           <p:cNvCxnSpPr>
             <a:stCxn id="6" idx="3"/>
-            <a:endCxn id="19" idx="0"/>
+            <a:endCxn id="19" idx="1"/>
           </p:cNvCxnSpPr>
           <p:nvPr/>
         </p:nvCxnSpPr>
         <p:spPr>
           <a:xfrm>
             <a:off x="2732136" y="882568"/>
-            <a:ext cx="4536679" cy="893977"/>
-          </a:xfrm>
-          <a:prstGeom prst="bentConnector2">
-            <a:avLst/>
+            <a:ext cx="3944275" cy="1082176"/>
+          </a:xfrm>
+          <a:prstGeom prst="bentConnector3">
+            <a:avLst>
+              <a:gd name="adj1" fmla="val 97687"/>
+            </a:avLst>
           </a:prstGeom>
+          <a:effectLst/>
         </p:spPr>
         <p:style>
           <a:lnRef idx="2">
@@ -4135,21 +4247,21 @@
           <p:cNvPr id="25" name="カギ線コネクタ 24"/>
           <p:cNvCxnSpPr>
             <a:stCxn id="7" idx="3"/>
-            <a:endCxn id="18" idx="0"/>
+            <a:endCxn id="18" idx="1"/>
           </p:cNvCxnSpPr>
           <p:nvPr/>
         </p:nvCxnSpPr>
         <p:spPr>
           <a:xfrm flipV="1">
-            <a:off x="2732136" y="1776545"/>
-            <a:ext cx="3153898" cy="224146"/>
-          </a:xfrm>
-          <a:prstGeom prst="bentConnector4">
+            <a:off x="2732136" y="1964744"/>
+            <a:ext cx="2561494" cy="1"/>
+          </a:xfrm>
+          <a:prstGeom prst="bentConnector3">
             <a:avLst>
-              <a:gd name="adj1" fmla="val 40608"/>
-              <a:gd name="adj2" fmla="val 238173"/>
+              <a:gd name="adj1" fmla="val 50000"/>
             </a:avLst>
           </a:prstGeom>
+          <a:effectLst/>
         </p:spPr>
         <p:style>
           <a:lnRef idx="2">
@@ -4171,18 +4283,21 @@
           <p:cNvPr id="28" name="カギ線コネクタ 27"/>
           <p:cNvCxnSpPr>
             <a:stCxn id="8" idx="3"/>
-            <a:endCxn id="16" idx="0"/>
+            <a:endCxn id="16" idx="1"/>
           </p:cNvCxnSpPr>
           <p:nvPr/>
         </p:nvCxnSpPr>
         <p:spPr>
           <a:xfrm>
             <a:off x="2732136" y="3118814"/>
-            <a:ext cx="4814149" cy="287656"/>
-          </a:xfrm>
-          <a:prstGeom prst="bentConnector2">
-            <a:avLst/>
+            <a:ext cx="4221745" cy="479773"/>
+          </a:xfrm>
+          <a:prstGeom prst="bentConnector3">
+            <a:avLst>
+              <a:gd name="adj1" fmla="val 91148"/>
+            </a:avLst>
           </a:prstGeom>
+          <a:effectLst/>
         </p:spPr>
         <p:style>
           <a:lnRef idx="2">
@@ -4218,6 +4333,7 @@
               <a:gd name="adj1" fmla="val 50000"/>
             </a:avLst>
           </a:prstGeom>
+          <a:effectLst/>
         </p:spPr>
         <p:style>
           <a:lnRef idx="2">
@@ -4253,6 +4369,7 @@
               <a:gd name="adj1" fmla="val 64688"/>
             </a:avLst>
           </a:prstGeom>
+          <a:effectLst/>
         </p:spPr>
         <p:style>
           <a:lnRef idx="2">
@@ -4277,8 +4394,8 @@
         </p:nvSpPr>
         <p:spPr>
           <a:xfrm>
-            <a:off x="1242773" y="6042542"/>
-            <a:ext cx="1177200" cy="369332"/>
+            <a:off x="823473" y="6042542"/>
+            <a:ext cx="1728608" cy="523220"/>
           </a:xfrm>
           <a:prstGeom prst="rect">
             <a:avLst/>
@@ -4292,10 +4409,10 @@
           <a:lstStyle/>
           <a:p>
             <a:r>
-              <a:rPr kumimoji="1" lang="en-US" altLang="ja-JP" dirty="0" smtClean="0"/>
+              <a:rPr kumimoji="1" lang="en-US" altLang="ja-JP" sz="2800" dirty="0" smtClean="0"/>
               <a:t>Client-side</a:t>
             </a:r>
-            <a:endParaRPr kumimoji="1" lang="ja-JP" altLang="en-US" dirty="0"/>
+            <a:endParaRPr kumimoji="1" lang="ja-JP" altLang="en-US" sz="2800" dirty="0"/>
           </a:p>
         </p:txBody>
       </p:sp>
@@ -4307,8 +4424,8 @@
         </p:nvSpPr>
         <p:spPr>
           <a:xfrm>
-            <a:off x="5889838" y="6042542"/>
-            <a:ext cx="1235697" cy="369332"/>
+            <a:off x="5470538" y="6042542"/>
+            <a:ext cx="1819604" cy="523220"/>
           </a:xfrm>
           <a:prstGeom prst="rect">
             <a:avLst/>
@@ -4322,10 +4439,10 @@
           <a:lstStyle/>
           <a:p>
             <a:r>
-              <a:rPr kumimoji="1" lang="en-US" altLang="ja-JP" dirty="0" smtClean="0"/>
+              <a:rPr kumimoji="1" lang="en-US" altLang="ja-JP" sz="2800" dirty="0" smtClean="0"/>
               <a:t>Server-side</a:t>
             </a:r>
-            <a:endParaRPr kumimoji="1" lang="ja-JP" altLang="en-US" dirty="0"/>
+            <a:endParaRPr kumimoji="1" lang="ja-JP" altLang="en-US" sz="2800" dirty="0"/>
           </a:p>
         </p:txBody>
       </p:sp>
